--- a/WSTAWorkshop_2.pptx
+++ b/WSTAWorkshop_2.pptx
@@ -17,6 +17,7 @@
     <p:sldId id="265" r:id="rId11"/>
     <p:sldId id="266" r:id="rId12"/>
     <p:sldId id="267" r:id="rId13"/>
+    <p:sldId id="268" r:id="rId14"/>
   </p:sldIdLst>
   <p:sldSz cx="12192000" cy="6858000"/>
   <p:notesSz cx="6858000" cy="9144000"/>
@@ -3346,7 +3347,7 @@
         </p:spPr>
         <p:txBody>
           <a:bodyPr>
-            <a:normAutofit fontScale="70000" lnSpcReduction="20000"/>
+            <a:normAutofit/>
           </a:bodyPr>
           <a:lstStyle/>
           <a:p>
@@ -3377,46 +3378,95 @@
                   <a:srgbClr val="FF0000"/>
                 </a:solidFill>
               </a:rPr>
-              <a:t>Curse of dimensionality</a:t>
-            </a:r>
-          </a:p>
-          <a:p>
-            <a:pPr marL="457200" lvl="1" indent="0">
-              <a:buNone/>
-            </a:pPr>
-            <a:endParaRPr lang="en-AU" dirty="0" smtClean="0"/>
-          </a:p>
-          <a:p>
-            <a:pPr lvl="1"/>
-            <a:r>
-              <a:rPr lang="en-AU" dirty="0" smtClean="0"/>
-              <a:t>Decision Trees using Information Gain </a:t>
-            </a:r>
-          </a:p>
-          <a:p>
-            <a:pPr lvl="2"/>
-            <a:r>
-              <a:rPr lang="en-AU" dirty="0" smtClean="0"/>
-              <a:t>Interpretable</a:t>
-            </a:r>
-          </a:p>
-          <a:p>
-            <a:pPr lvl="2"/>
-            <a:r>
-              <a:rPr lang="en-AU" dirty="0" smtClean="0"/>
-              <a:t>Information gain = entropy(parent) – [average entropy(children)]</a:t>
-            </a:r>
-          </a:p>
-          <a:p>
-            <a:pPr lvl="2"/>
+              <a:t>Curse of </a:t>
+            </a:r>
             <a:r>
               <a:rPr lang="en-AU" dirty="0" smtClean="0">
                 <a:solidFill>
                   <a:srgbClr val="FF0000"/>
                 </a:solidFill>
               </a:rPr>
-              <a:t>Not suitable for large dimensions</a:t>
-            </a:r>
+              <a:t>dimensionality</a:t>
+            </a:r>
+          </a:p>
+          <a:p>
+            <a:pPr lvl="2"/>
+            <a:r>
+              <a:rPr lang="en-AU" dirty="0" smtClean="0">
+                <a:solidFill>
+                  <a:srgbClr val="FF0000"/>
+                </a:solidFill>
+              </a:rPr>
+              <a:t>Hyper parameters – k, distance metric</a:t>
+            </a:r>
+            <a:endParaRPr lang="en-AU" dirty="0" smtClean="0">
+              <a:solidFill>
+                <a:srgbClr val="FF0000"/>
+              </a:solidFill>
+            </a:endParaRPr>
+          </a:p>
+          <a:p>
+            <a:pPr marL="457200" lvl="1" indent="0">
+              <a:buNone/>
+            </a:pPr>
+            <a:endParaRPr lang="en-AU" dirty="0" smtClean="0"/>
+          </a:p>
+          <a:p>
+            <a:pPr lvl="1"/>
+            <a:endParaRPr lang="en-AU" dirty="0" smtClean="0"/>
+          </a:p>
+          <a:p>
+            <a:pPr lvl="1"/>
+            <a:endParaRPr lang="en-AU" dirty="0"/>
+          </a:p>
+          <a:p>
+            <a:pPr lvl="1"/>
+            <a:r>
+              <a:rPr lang="en-AU" dirty="0" smtClean="0"/>
+              <a:t>Decision </a:t>
+            </a:r>
+            <a:r>
+              <a:rPr lang="en-AU" dirty="0" smtClean="0"/>
+              <a:t>Trees using Information Gain </a:t>
+            </a:r>
+          </a:p>
+          <a:p>
+            <a:pPr lvl="2"/>
+            <a:r>
+              <a:rPr lang="en-AU" dirty="0" smtClean="0"/>
+              <a:t>Interpretable</a:t>
+            </a:r>
+          </a:p>
+          <a:p>
+            <a:pPr lvl="2"/>
+            <a:r>
+              <a:rPr lang="en-AU" dirty="0" smtClean="0"/>
+              <a:t>Information gain = entropy(parent) – [average entropy(children)]</a:t>
+            </a:r>
+          </a:p>
+          <a:p>
+            <a:pPr lvl="2"/>
+            <a:r>
+              <a:rPr lang="en-AU" dirty="0" smtClean="0">
+                <a:solidFill>
+                  <a:srgbClr val="FF0000"/>
+                </a:solidFill>
+              </a:rPr>
+              <a:t>Not suitable for large </a:t>
+            </a:r>
+            <a:r>
+              <a:rPr lang="en-AU" dirty="0" smtClean="0">
+                <a:solidFill>
+                  <a:srgbClr val="FF0000"/>
+                </a:solidFill>
+              </a:rPr>
+              <a:t>dimensions (spurious correlations)</a:t>
+            </a:r>
+            <a:endParaRPr lang="en-AU" dirty="0" smtClean="0">
+              <a:solidFill>
+                <a:srgbClr val="FF0000"/>
+              </a:solidFill>
+            </a:endParaRPr>
           </a:p>
           <a:p>
             <a:pPr lvl="2"/>
@@ -3516,98 +3566,10 @@
             <a:endParaRPr lang="en-AU" dirty="0"/>
           </a:p>
           <a:p>
-            <a:pPr lvl="1"/>
-            <a:r>
-              <a:rPr lang="en-AU" dirty="0" smtClean="0"/>
-              <a:t>Naive Bayes </a:t>
-            </a:r>
-          </a:p>
-          <a:p>
-            <a:pPr lvl="2"/>
-            <a:r>
-              <a:rPr lang="en-AU" dirty="0" smtClean="0"/>
-              <a:t>Simple and fast</a:t>
-            </a:r>
-          </a:p>
-          <a:p>
-            <a:pPr lvl="2"/>
-            <a:r>
-              <a:rPr lang="en-AU" dirty="0" smtClean="0">
-                <a:solidFill>
-                  <a:srgbClr val="FF0000"/>
-                </a:solidFill>
-              </a:rPr>
-              <a:t>Independence assumption</a:t>
-            </a:r>
-          </a:p>
-          <a:p>
-            <a:pPr lvl="2"/>
-            <a:r>
-              <a:rPr lang="en-AU" dirty="0" smtClean="0">
-                <a:solidFill>
-                  <a:srgbClr val="FF0000"/>
-                </a:solidFill>
-              </a:rPr>
-              <a:t>Not suitable for large dimensions</a:t>
-            </a:r>
-          </a:p>
-          <a:p>
             <a:pPr marL="914400" lvl="2" indent="0">
               <a:buNone/>
             </a:pPr>
             <a:endParaRPr lang="en-AU" dirty="0" smtClean="0"/>
-          </a:p>
-          <a:p>
-            <a:pPr lvl="1"/>
-            <a:r>
-              <a:rPr lang="en-AU" dirty="0" smtClean="0"/>
-              <a:t>Logistic Regression </a:t>
-            </a:r>
-          </a:p>
-          <a:p>
-            <a:pPr marL="914400" lvl="2" indent="0">
-              <a:buNone/>
-            </a:pPr>
-            <a:endParaRPr lang="en-AU" dirty="0" smtClean="0">
-              <a:solidFill>
-                <a:srgbClr val="FF0000"/>
-              </a:solidFill>
-            </a:endParaRPr>
-          </a:p>
-          <a:p>
-            <a:pPr marL="914400" lvl="2" indent="0">
-              <a:buNone/>
-            </a:pPr>
-            <a:endParaRPr lang="en-AU" dirty="0" smtClean="0">
-              <a:solidFill>
-                <a:srgbClr val="FF0000"/>
-              </a:solidFill>
-            </a:endParaRPr>
-          </a:p>
-          <a:p>
-            <a:pPr lvl="1"/>
-            <a:r>
-              <a:rPr lang="en-AU" dirty="0" smtClean="0"/>
-              <a:t>Support Vector Machines</a:t>
-            </a:r>
-          </a:p>
-          <a:p>
-            <a:pPr lvl="2"/>
-            <a:r>
-              <a:rPr lang="en-AU" dirty="0" smtClean="0"/>
-              <a:t>Linear/non-linear kernel</a:t>
-            </a:r>
-          </a:p>
-          <a:p>
-            <a:pPr lvl="2"/>
-            <a:r>
-              <a:rPr lang="en-AU" dirty="0" smtClean="0">
-                <a:solidFill>
-                  <a:srgbClr val="FF0000"/>
-                </a:solidFill>
-              </a:rPr>
-              <a:t>Multi-class</a:t>
-            </a:r>
           </a:p>
         </p:txBody>
       </p:sp>
@@ -3703,32 +3665,371 @@
       </p:pic>
       <p:pic>
         <p:nvPicPr>
-          <p:cNvPr id="9" name="Picture 8"/>
+          <p:cNvPr id="1030" name="Picture 6" descr="https://upload.wikimedia.org/wikipedia/commons/thumb/2/22/Binary_entropy_plot.svg/200px-Binary_entropy_plot.svg.png"/>
+          <p:cNvPicPr>
+            <a:picLocks noChangeAspect="1" noChangeArrowheads="1"/>
+          </p:cNvPicPr>
+          <p:nvPr/>
+        </p:nvPicPr>
+        <p:blipFill>
+          <a:blip r:embed="rId3">
+            <a:extLst>
+              <a:ext uri="{28A0092B-C50C-407E-A947-70E740481C1C}">
+                <a14:useLocalDpi xmlns:a14="http://schemas.microsoft.com/office/drawing/2010/main" val="0"/>
+              </a:ext>
+            </a:extLst>
+          </a:blip>
+          <a:srcRect/>
+          <a:stretch>
+            <a:fillRect/>
+          </a:stretch>
+        </p:blipFill>
+        <p:spPr bwMode="auto">
+          <a:xfrm>
+            <a:off x="9264064" y="3591605"/>
+            <a:ext cx="1905000" cy="1905000"/>
+          </a:xfrm>
+          <a:prstGeom prst="rect">
+            <a:avLst/>
+          </a:prstGeom>
+          <a:noFill/>
+          <a:extLst>
+            <a:ext uri="{909E8E84-426E-40DD-AFC4-6F175D3DCCD1}">
+              <a14:hiddenFill xmlns:a14="http://schemas.microsoft.com/office/drawing/2010/main">
+                <a:solidFill>
+                  <a:srgbClr val="FFFFFF"/>
+                </a:solidFill>
+              </a14:hiddenFill>
+            </a:ext>
+          </a:extLst>
+        </p:spPr>
+      </p:pic>
+    </p:spTree>
+    <p:extLst>
+      <p:ext uri="{BB962C8B-B14F-4D97-AF65-F5344CB8AC3E}">
+        <p14:creationId xmlns:p14="http://schemas.microsoft.com/office/powerpoint/2010/main" val="3058987307"/>
+      </p:ext>
+    </p:extLst>
+  </p:cSld>
+  <p:clrMapOvr>
+    <a:masterClrMapping/>
+  </p:clrMapOvr>
+</p:sld>
+</file>
+
+<file path=ppt/slides/slide13.xml><?xml version="1.0" encoding="utf-8"?>
+<p:sld xmlns:a="http://schemas.openxmlformats.org/drawingml/2006/main" xmlns:r="http://schemas.openxmlformats.org/officeDocument/2006/relationships" xmlns:p="http://schemas.openxmlformats.org/presentationml/2006/main">
+  <p:cSld>
+    <p:spTree>
+      <p:nvGrpSpPr>
+        <p:cNvPr id="1" name=""/>
+        <p:cNvGrpSpPr/>
+        <p:nvPr/>
+      </p:nvGrpSpPr>
+      <p:grpSpPr>
+        <a:xfrm>
+          <a:off x="0" y="0"/>
+          <a:ext cx="0" cy="0"/>
+          <a:chOff x="0" y="0"/>
+          <a:chExt cx="0" cy="0"/>
+        </a:xfrm>
+      </p:grpSpPr>
+      <p:sp>
+        <p:nvSpPr>
+          <p:cNvPr id="2" name="Title 1"/>
+          <p:cNvSpPr>
+            <a:spLocks noGrp="1"/>
+          </p:cNvSpPr>
+          <p:nvPr>
+            <p:ph type="title"/>
+          </p:nvPr>
+        </p:nvSpPr>
+        <p:spPr/>
+        <p:txBody>
+          <a:bodyPr/>
+          <a:lstStyle/>
+          <a:p>
+            <a:r>
+              <a:rPr lang="en-AU" dirty="0" smtClean="0"/>
+              <a:t>Discussion III</a:t>
+            </a:r>
+            <a:endParaRPr lang="en-AU" dirty="0"/>
+          </a:p>
+        </p:txBody>
+      </p:sp>
+      <p:sp>
+        <p:nvSpPr>
+          <p:cNvPr id="4" name="Rectangle 3"/>
+          <p:cNvSpPr/>
+          <p:nvPr/>
+        </p:nvSpPr>
+        <p:spPr>
+          <a:xfrm>
+            <a:off x="838200" y="1939239"/>
+            <a:ext cx="11111144" cy="4524315"/>
+          </a:xfrm>
+          <a:prstGeom prst="rect">
+            <a:avLst/>
+          </a:prstGeom>
+        </p:spPr>
+        <p:txBody>
+          <a:bodyPr wrap="square">
+            <a:spAutoFit/>
+          </a:bodyPr>
+          <a:lstStyle/>
+          <a:p>
+            <a:pPr lvl="1"/>
+            <a:r>
+              <a:rPr lang="en-AU" dirty="0" smtClean="0"/>
+              <a:t>Naive </a:t>
+            </a:r>
+            <a:r>
+              <a:rPr lang="en-AU" dirty="0"/>
+              <a:t>Bayes </a:t>
+            </a:r>
+          </a:p>
+          <a:p>
+            <a:pPr lvl="2"/>
+            <a:r>
+              <a:rPr lang="en-AU" dirty="0"/>
+              <a:t>Simple and fast</a:t>
+            </a:r>
+          </a:p>
+          <a:p>
+            <a:pPr lvl="2"/>
+            <a:r>
+              <a:rPr lang="en-AU" dirty="0">
+                <a:solidFill>
+                  <a:srgbClr val="FF0000"/>
+                </a:solidFill>
+              </a:rPr>
+              <a:t>Independence assumption</a:t>
+            </a:r>
+          </a:p>
+          <a:p>
+            <a:pPr lvl="2"/>
+            <a:r>
+              <a:rPr lang="en-AU" dirty="0">
+                <a:solidFill>
+                  <a:srgbClr val="FF0000"/>
+                </a:solidFill>
+              </a:rPr>
+              <a:t>Not suitable for large dimensions</a:t>
+            </a:r>
+          </a:p>
+          <a:p>
+            <a:pPr lvl="1"/>
+            <a:endParaRPr lang="en-AU" dirty="0" smtClean="0"/>
+          </a:p>
+          <a:p>
+            <a:pPr lvl="1"/>
+            <a:endParaRPr lang="en-AU" dirty="0" smtClean="0"/>
+          </a:p>
+          <a:p>
+            <a:pPr lvl="1"/>
+            <a:endParaRPr lang="en-AU" dirty="0" smtClean="0"/>
+          </a:p>
+          <a:p>
+            <a:pPr lvl="1"/>
+            <a:r>
+              <a:rPr lang="en-AU" dirty="0" smtClean="0"/>
+              <a:t>Logistic </a:t>
+            </a:r>
+            <a:r>
+              <a:rPr lang="en-AU" dirty="0"/>
+              <a:t>Regression </a:t>
+            </a:r>
+            <a:endParaRPr lang="en-AU" dirty="0" smtClean="0"/>
+          </a:p>
+          <a:p>
+            <a:pPr lvl="1"/>
+            <a:r>
+              <a:rPr lang="en-AU" dirty="0">
+                <a:solidFill>
+                  <a:srgbClr val="FF0000"/>
+                </a:solidFill>
+              </a:rPr>
+              <a:t>	</a:t>
+            </a:r>
+            <a:r>
+              <a:rPr lang="en-AU" dirty="0" smtClean="0">
+                <a:solidFill>
+                  <a:srgbClr val="FF0000"/>
+                </a:solidFill>
+              </a:rPr>
+              <a:t>linear</a:t>
+            </a:r>
+            <a:endParaRPr lang="en-AU" dirty="0">
+              <a:solidFill>
+                <a:srgbClr val="FF0000"/>
+              </a:solidFill>
+            </a:endParaRPr>
+          </a:p>
+          <a:p>
+            <a:pPr lvl="2"/>
+            <a:endParaRPr lang="en-AU" dirty="0">
+              <a:solidFill>
+                <a:srgbClr val="FF0000"/>
+              </a:solidFill>
+            </a:endParaRPr>
+          </a:p>
+          <a:p>
+            <a:pPr lvl="2"/>
+            <a:endParaRPr lang="en-AU" dirty="0">
+              <a:solidFill>
+                <a:srgbClr val="FF0000"/>
+              </a:solidFill>
+            </a:endParaRPr>
+          </a:p>
+          <a:p>
+            <a:pPr lvl="1"/>
+            <a:endParaRPr lang="en-AU" dirty="0" smtClean="0"/>
+          </a:p>
+          <a:p>
+            <a:pPr lvl="1"/>
+            <a:endParaRPr lang="en-AU" dirty="0"/>
+          </a:p>
+          <a:p>
+            <a:pPr lvl="1"/>
+            <a:r>
+              <a:rPr lang="en-AU" dirty="0" smtClean="0"/>
+              <a:t>Support </a:t>
+            </a:r>
+            <a:r>
+              <a:rPr lang="en-AU" dirty="0"/>
+              <a:t>Vector Machines</a:t>
+            </a:r>
+          </a:p>
+          <a:p>
+            <a:pPr lvl="2"/>
+            <a:r>
+              <a:rPr lang="en-AU" dirty="0"/>
+              <a:t>Linear/non-linear kernel</a:t>
+            </a:r>
+          </a:p>
+          <a:p>
+            <a:pPr lvl="2"/>
+            <a:r>
+              <a:rPr lang="en-AU" dirty="0">
+                <a:solidFill>
+                  <a:srgbClr val="FF0000"/>
+                </a:solidFill>
+              </a:rPr>
+              <a:t>Multi-class</a:t>
+            </a:r>
+          </a:p>
+        </p:txBody>
+      </p:sp>
+      <p:pic>
+        <p:nvPicPr>
+          <p:cNvPr id="5" name="Picture 4"/>
           <p:cNvPicPr>
             <a:picLocks noChangeAspect="1"/>
           </p:cNvPicPr>
           <p:nvPr/>
         </p:nvPicPr>
         <p:blipFill>
-          <a:blip r:embed="rId3"/>
+          <a:blip r:embed="rId2"/>
           <a:stretch>
             <a:fillRect/>
           </a:stretch>
         </p:blipFill>
         <p:spPr>
           <a:xfrm>
-            <a:off x="8194737" y="4972605"/>
-            <a:ext cx="2857500" cy="1600200"/>
+            <a:off x="8841190" y="5002018"/>
+            <a:ext cx="2477426" cy="1746117"/>
           </a:xfrm>
           <a:prstGeom prst="rect">
             <a:avLst/>
           </a:prstGeom>
         </p:spPr>
       </p:pic>
+      <p:pic>
+        <p:nvPicPr>
+          <p:cNvPr id="6" name="Picture 4" descr="https://upload.wikimedia.org/wikipedia/commons/thumb/8/88/Logistic-curve.svg/320px-Logistic-curve.svg.png"/>
+          <p:cNvPicPr>
+            <a:picLocks noChangeAspect="1" noChangeArrowheads="1"/>
+          </p:cNvPicPr>
+          <p:nvPr/>
+        </p:nvPicPr>
+        <p:blipFill>
+          <a:blip r:embed="rId3">
+            <a:extLst>
+              <a:ext uri="{28A0092B-C50C-407E-A947-70E740481C1C}">
+                <a14:useLocalDpi xmlns:a14="http://schemas.microsoft.com/office/drawing/2010/main" val="0"/>
+              </a:ext>
+            </a:extLst>
+          </a:blip>
+          <a:srcRect/>
+          <a:stretch>
+            <a:fillRect/>
+          </a:stretch>
+        </p:blipFill>
+        <p:spPr bwMode="auto">
+          <a:xfrm>
+            <a:off x="8149703" y="3092703"/>
+            <a:ext cx="2690489" cy="1391531"/>
+          </a:xfrm>
+          <a:prstGeom prst="rect">
+            <a:avLst/>
+          </a:prstGeom>
+          <a:noFill/>
+          <a:extLst>
+            <a:ext uri="{909E8E84-426E-40DD-AFC4-6F175D3DCCD1}">
+              <a14:hiddenFill xmlns:a14="http://schemas.microsoft.com/office/drawing/2010/main">
+                <a:solidFill>
+                  <a:srgbClr val="FFFFFF"/>
+                </a:solidFill>
+              </a14:hiddenFill>
+            </a:ext>
+          </a:extLst>
+        </p:spPr>
+      </p:pic>
+      <p:pic>
+        <p:nvPicPr>
+          <p:cNvPr id="2050" name="Picture 2" descr="https://upload.wikimedia.org/wikipedia/commons/thumb/2/2a/Svm_max_sep_hyperplane_with_margin.png/220px-Svm_max_sep_hyperplane_with_margin.png"/>
+          <p:cNvPicPr>
+            <a:picLocks noChangeAspect="1" noChangeArrowheads="1"/>
+          </p:cNvPicPr>
+          <p:nvPr/>
+        </p:nvPicPr>
+        <p:blipFill>
+          <a:blip r:embed="rId4">
+            <a:extLst>
+              <a:ext uri="{28A0092B-C50C-407E-A947-70E740481C1C}">
+                <a14:useLocalDpi xmlns:a14="http://schemas.microsoft.com/office/drawing/2010/main" val="0"/>
+              </a:ext>
+            </a:extLst>
+          </a:blip>
+          <a:srcRect/>
+          <a:stretch>
+            <a:fillRect/>
+          </a:stretch>
+        </p:blipFill>
+        <p:spPr bwMode="auto">
+          <a:xfrm>
+            <a:off x="5745704" y="4491816"/>
+            <a:ext cx="2554919" cy="2512304"/>
+          </a:xfrm>
+          <a:prstGeom prst="rect">
+            <a:avLst/>
+          </a:prstGeom>
+          <a:noFill/>
+          <a:extLst>
+            <a:ext uri="{909E8E84-426E-40DD-AFC4-6F175D3DCCD1}">
+              <a14:hiddenFill xmlns:a14="http://schemas.microsoft.com/office/drawing/2010/main">
+                <a:solidFill>
+                  <a:srgbClr val="FFFFFF"/>
+                </a:solidFill>
+              </a14:hiddenFill>
+            </a:ext>
+          </a:extLst>
+        </p:spPr>
+      </p:pic>
     </p:spTree>
     <p:extLst>
       <p:ext uri="{BB962C8B-B14F-4D97-AF65-F5344CB8AC3E}">
-        <p14:creationId xmlns:p14="http://schemas.microsoft.com/office/powerpoint/2010/main" val="3058987307"/>
+        <p14:creationId xmlns:p14="http://schemas.microsoft.com/office/powerpoint/2010/main" val="3658403339"/>
       </p:ext>
     </p:extLst>
   </p:cSld>
